--- a/OLA-Presentation.pptx
+++ b/OLA-Presentation.pptx
@@ -130,18 +130,97 @@
       </a:defRPr>
     </a:lvl9pPr>
   </p:defaultTextStyle>
+  <p:extLst>
+    <p:ext uri="{EFAFB233-063F-42B5-8137-9DF3F51BA10A}">
+      <p15:sldGuideLst xmlns:p15="http://schemas.microsoft.com/office/powerpoint/2012/main"/>
+    </p:ext>
+  </p:extLst>
 </p:presentation>
 </file>
 
 <file path=ppt/revisionInfo.xml><?xml version="1.0" encoding="utf-8"?>
 <p1510:revInfo xmlns:a="http://schemas.openxmlformats.org/drawingml/2006/main" xmlns:r="http://schemas.openxmlformats.org/officeDocument/2006/relationships" xmlns:p1510="http://schemas.microsoft.com/office/powerpoint/2015/10/main">
   <p1510:revLst>
-    <p1510:client id="{B2A6AA4F-6191-42BC-9694-342329182FF2}" v="1288" dt="2025-07-11T17:55:26.944"/>
-    <p1510:client id="{C92FC7B7-3DF4-9693-2AB5-47E4ECE9425F}" v="493" dt="2025-07-11T17:56:10.120"/>
-    <p1510:client id="{DA9E0609-E959-C842-ABB6-BA682E4F9976}" v="926" dt="2025-07-11T18:06:34.844"/>
-    <p1510:client id="{F2092646-5C75-1BCD-2B84-CB7C853B76B0}" v="344" dt="2025-07-11T17:22:13.936"/>
+    <p1510:client id="{AE66E0E7-D677-8E4F-8BE4-8E084323653E}" v="1" dt="2025-07-14T15:17:48.224"/>
   </p1510:revLst>
 </p1510:revInfo>
+</file>
+
+<file path=ppt/changesInfos/changesInfo1.xml><?xml version="1.0" encoding="utf-8"?>
+<pc:chgInfo xmlns:a="http://schemas.openxmlformats.org/drawingml/2006/main" xmlns:r="http://schemas.openxmlformats.org/officeDocument/2006/relationships" xmlns:ac="http://schemas.microsoft.com/office/drawing/2013/main/command" xmlns:pc="http://schemas.microsoft.com/office/powerpoint/2013/main/command">
+  <pc:docChgLst>
+    <pc:chgData name="Karanbir Singh" userId="78982d5f-1beb-4078-8a11-5c21bb6fef96" providerId="ADAL" clId="{AE66E0E7-D677-8E4F-8BE4-8E084323653E}"/>
+    <pc:docChg chg="custSel modSld">
+      <pc:chgData name="Karanbir Singh" userId="78982d5f-1beb-4078-8a11-5c21bb6fef96" providerId="ADAL" clId="{AE66E0E7-D677-8E4F-8BE4-8E084323653E}" dt="2025-07-14T15:18:10.344" v="167" actId="14100"/>
+      <pc:docMkLst>
+        <pc:docMk/>
+      </pc:docMkLst>
+      <pc:sldChg chg="addSp delSp modSp mod">
+        <pc:chgData name="Karanbir Singh" userId="78982d5f-1beb-4078-8a11-5c21bb6fef96" providerId="ADAL" clId="{AE66E0E7-D677-8E4F-8BE4-8E084323653E}" dt="2025-07-14T15:18:10.344" v="167" actId="14100"/>
+        <pc:sldMkLst>
+          <pc:docMk/>
+          <pc:sldMk cId="3797118238" sldId="274"/>
+        </pc:sldMkLst>
+        <pc:spChg chg="mod">
+          <ac:chgData name="Karanbir Singh" userId="78982d5f-1beb-4078-8a11-5c21bb6fef96" providerId="ADAL" clId="{AE66E0E7-D677-8E4F-8BE4-8E084323653E}" dt="2025-07-14T15:18:08.148" v="166" actId="14100"/>
+          <ac:spMkLst>
+            <pc:docMk/>
+            <pc:sldMk cId="3797118238" sldId="274"/>
+            <ac:spMk id="14" creationId="{8774C632-1514-47B8-E439-CD6D4A821525}"/>
+          </ac:spMkLst>
+        </pc:spChg>
+        <pc:spChg chg="mod">
+          <ac:chgData name="Karanbir Singh" userId="78982d5f-1beb-4078-8a11-5c21bb6fef96" providerId="ADAL" clId="{AE66E0E7-D677-8E4F-8BE4-8E084323653E}" dt="2025-07-14T15:17:05.362" v="111" actId="20577"/>
+          <ac:spMkLst>
+            <pc:docMk/>
+            <pc:sldMk cId="3797118238" sldId="274"/>
+            <ac:spMk id="18" creationId="{255A028A-0129-16B3-B5B7-4E092F681633}"/>
+          </ac:spMkLst>
+        </pc:spChg>
+        <pc:spChg chg="mod">
+          <ac:chgData name="Karanbir Singh" userId="78982d5f-1beb-4078-8a11-5c21bb6fef96" providerId="ADAL" clId="{AE66E0E7-D677-8E4F-8BE4-8E084323653E}" dt="2025-07-14T15:18:10.344" v="167" actId="14100"/>
+          <ac:spMkLst>
+            <pc:docMk/>
+            <pc:sldMk cId="3797118238" sldId="274"/>
+            <ac:spMk id="24" creationId="{0BC1CDEC-AEED-DB60-4E64-21947B12AA96}"/>
+          </ac:spMkLst>
+        </pc:spChg>
+        <pc:picChg chg="add mod">
+          <ac:chgData name="Karanbir Singh" userId="78982d5f-1beb-4078-8a11-5c21bb6fef96" providerId="ADAL" clId="{AE66E0E7-D677-8E4F-8BE4-8E084323653E}" dt="2025-07-14T15:17:58.286" v="165" actId="1035"/>
+          <ac:picMkLst>
+            <pc:docMk/>
+            <pc:sldMk cId="3797118238" sldId="274"/>
+            <ac:picMk id="2" creationId="{CB1CFED5-EED6-1C14-6DBD-AB35868234BE}"/>
+          </ac:picMkLst>
+        </pc:picChg>
+        <pc:picChg chg="del">
+          <ac:chgData name="Karanbir Singh" userId="78982d5f-1beb-4078-8a11-5c21bb6fef96" providerId="ADAL" clId="{AE66E0E7-D677-8E4F-8BE4-8E084323653E}" dt="2025-07-14T15:17:19.364" v="159" actId="478"/>
+          <ac:picMkLst>
+            <pc:docMk/>
+            <pc:sldMk cId="3797118238" sldId="274"/>
+            <ac:picMk id="5" creationId="{319A7930-E8E7-A169-1A64-937E9D2B0581}"/>
+          </ac:picMkLst>
+        </pc:picChg>
+        <pc:picChg chg="del">
+          <ac:chgData name="Karanbir Singh" userId="78982d5f-1beb-4078-8a11-5c21bb6fef96" providerId="ADAL" clId="{AE66E0E7-D677-8E4F-8BE4-8E084323653E}" dt="2025-07-14T15:17:17.573" v="157" actId="478"/>
+          <ac:picMkLst>
+            <pc:docMk/>
+            <pc:sldMk cId="3797118238" sldId="274"/>
+            <ac:picMk id="6" creationId="{2F47A46A-8A2E-41A6-09F3-A8E97C77FDAF}"/>
+          </ac:picMkLst>
+        </pc:picChg>
+        <pc:picChg chg="del">
+          <ac:chgData name="Karanbir Singh" userId="78982d5f-1beb-4078-8a11-5c21bb6fef96" providerId="ADAL" clId="{AE66E0E7-D677-8E4F-8BE4-8E084323653E}" dt="2025-07-14T15:17:18.742" v="158" actId="478"/>
+          <ac:picMkLst>
+            <pc:docMk/>
+            <pc:sldMk cId="3797118238" sldId="274"/>
+            <ac:picMk id="7" creationId="{F5ADA63A-227F-73A4-2AEF-5D7F4C7C5B72}"/>
+          </ac:picMkLst>
+        </pc:picChg>
+      </pc:sldChg>
+    </pc:docChg>
+  </pc:docChgLst>
+</pc:chgInfo>
 </file>
 
 <file path=ppt/diagrams/colors1.xml><?xml version="1.0" encoding="utf-8"?>
@@ -3278,7 +3357,7 @@
           <a:p>
             <a:fld id="{425BE8E1-1622-4BA7-9BE5-ECA3EC21D2AB}" type="datetimeFigureOut">
               <a:rPr lang="it-IT" smtClean="0"/>
-              <a:t>11/07/25</a:t>
+              <a:t>14/07/25</a:t>
             </a:fld>
             <a:endParaRPr lang="it-IT"/>
           </a:p>
@@ -3912,7 +3991,7 @@
           <a:p>
             <a:fld id="{E80C50CD-E178-4744-9B35-B2F624D6C5E9}" type="datetimeFigureOut">
               <a:rPr lang="en-US" smtClean="0"/>
-              <a:t>7/11/25</a:t>
+              <a:t>7/14/25</a:t>
             </a:fld>
             <a:endParaRPr lang="en-US"/>
           </a:p>
@@ -4110,7 +4189,7 @@
           <a:p>
             <a:fld id="{E80C50CD-E178-4744-9B35-B2F624D6C5E9}" type="datetimeFigureOut">
               <a:rPr lang="en-US" smtClean="0"/>
-              <a:t>7/11/25</a:t>
+              <a:t>7/14/25</a:t>
             </a:fld>
             <a:endParaRPr lang="en-US"/>
           </a:p>
@@ -4318,7 +4397,7 @@
           <a:p>
             <a:fld id="{E80C50CD-E178-4744-9B35-B2F624D6C5E9}" type="datetimeFigureOut">
               <a:rPr lang="en-US" smtClean="0"/>
-              <a:t>7/11/25</a:t>
+              <a:t>7/14/25</a:t>
             </a:fld>
             <a:endParaRPr lang="en-US"/>
           </a:p>
@@ -4568,7 +4647,7 @@
           <a:p>
             <a:fld id="{E80C50CD-E178-4744-9B35-B2F624D6C5E9}" type="datetimeFigureOut">
               <a:rPr lang="en-US" smtClean="0"/>
-              <a:t>7/11/25</a:t>
+              <a:t>7/14/25</a:t>
             </a:fld>
             <a:endParaRPr lang="en-US"/>
           </a:p>
@@ -4847,7 +4926,7 @@
           <a:p>
             <a:fld id="{E80C50CD-E178-4744-9B35-B2F624D6C5E9}" type="datetimeFigureOut">
               <a:rPr lang="en-US" smtClean="0"/>
-              <a:t>7/11/25</a:t>
+              <a:t>7/14/25</a:t>
             </a:fld>
             <a:endParaRPr lang="en-US"/>
           </a:p>
@@ -5164,7 +5243,7 @@
           <a:p>
             <a:fld id="{E80C50CD-E178-4744-9B35-B2F624D6C5E9}" type="datetimeFigureOut">
               <a:rPr lang="en-US" smtClean="0"/>
-              <a:t>7/11/25</a:t>
+              <a:t>7/14/25</a:t>
             </a:fld>
             <a:endParaRPr lang="en-US"/>
           </a:p>
@@ -5580,7 +5659,7 @@
           <a:p>
             <a:fld id="{E80C50CD-E178-4744-9B35-B2F624D6C5E9}" type="datetimeFigureOut">
               <a:rPr lang="en-US" smtClean="0"/>
-              <a:t>7/11/25</a:t>
+              <a:t>7/14/25</a:t>
             </a:fld>
             <a:endParaRPr lang="en-US"/>
           </a:p>
@@ -5721,7 +5800,7 @@
           <a:p>
             <a:fld id="{E80C50CD-E178-4744-9B35-B2F624D6C5E9}" type="datetimeFigureOut">
               <a:rPr lang="en-US" smtClean="0"/>
-              <a:t>7/11/25</a:t>
+              <a:t>7/14/25</a:t>
             </a:fld>
             <a:endParaRPr lang="en-US"/>
           </a:p>
@@ -5834,7 +5913,7 @@
           <a:p>
             <a:fld id="{E80C50CD-E178-4744-9B35-B2F624D6C5E9}" type="datetimeFigureOut">
               <a:rPr lang="en-US" smtClean="0"/>
-              <a:t>7/11/25</a:t>
+              <a:t>7/14/25</a:t>
             </a:fld>
             <a:endParaRPr lang="en-US"/>
           </a:p>
@@ -6151,7 +6230,7 @@
           <a:p>
             <a:fld id="{E80C50CD-E178-4744-9B35-B2F624D6C5E9}" type="datetimeFigureOut">
               <a:rPr lang="en-US" smtClean="0"/>
-              <a:t>7/11/25</a:t>
+              <a:t>7/14/25</a:t>
             </a:fld>
             <a:endParaRPr lang="en-US"/>
           </a:p>
@@ -6443,7 +6522,7 @@
           <a:p>
             <a:fld id="{E80C50CD-E178-4744-9B35-B2F624D6C5E9}" type="datetimeFigureOut">
               <a:rPr lang="en-US" smtClean="0"/>
-              <a:t>7/11/25</a:t>
+              <a:t>7/14/25</a:t>
             </a:fld>
             <a:endParaRPr lang="en-US"/>
           </a:p>
@@ -6688,7 +6767,7 @@
             <a:fld id="{E80C50CD-E178-4744-9B35-B2F624D6C5E9}" type="datetimeFigureOut">
               <a:rPr lang="en-US" smtClean="0"/>
               <a:pPr/>
-              <a:t>7/11/25</a:t>
+              <a:t>7/14/25</a:t>
             </a:fld>
             <a:endParaRPr lang="en-US"/>
           </a:p>
@@ -8845,8 +8924,8 @@
           </a:p>
         </p:txBody>
       </p:sp>
-      <mc:AlternateContent xmlns:mc="http://schemas.openxmlformats.org/markup-compatibility/2006">
-        <mc:Choice xmlns:a14="http://schemas.microsoft.com/office/drawing/2010/main" Requires="a14">
+      <mc:AlternateContent xmlns:mc="http://schemas.openxmlformats.org/markup-compatibility/2006" xmlns:a14="http://schemas.microsoft.com/office/drawing/2010/main">
+        <mc:Choice Requires="a14">
           <p:sp>
             <p:nvSpPr>
               <p:cNvPr id="26" name="Rettangolo con angoli arrotondati 25">
@@ -9066,7 +9145,7 @@
             </p:txBody>
           </p:sp>
         </mc:Choice>
-        <mc:Fallback>
+        <mc:Fallback xmlns="">
           <p:sp>
             <p:nvSpPr>
               <p:cNvPr id="26" name="Rettangolo con angoli arrotondati 25">
@@ -12514,143 +12593,91 @@
           <a:p>
             <a:pPr algn="ctr"/>
             <a:r>
-              <a:rPr lang="it-IT" sz="2000" b="1"/>
+              <a:rPr lang="it-IT" sz="2000" b="1" dirty="0"/>
               <a:t>STATIONARY ENVIRONMENT</a:t>
             </a:r>
           </a:p>
           <a:p>
             <a:r>
-              <a:rPr lang="it-IT"/>
+              <a:rPr lang="it-IT" dirty="0"/>
               <a:t>At </a:t>
             </a:r>
             <a:r>
-              <a:rPr lang="it-IT" err="1"/>
+              <a:rPr lang="it-IT" dirty="0" err="1"/>
               <a:t>each</a:t>
             </a:r>
             <a:r>
-              <a:rPr lang="it-IT"/>
+              <a:rPr lang="it-IT" dirty="0"/>
               <a:t> round the </a:t>
             </a:r>
             <a:r>
-              <a:rPr lang="it-IT" err="1"/>
+              <a:rPr lang="it-IT" dirty="0" err="1"/>
               <a:t>valuation</a:t>
             </a:r>
             <a:r>
-              <a:rPr lang="it-IT"/>
+              <a:rPr lang="it-IT" dirty="0"/>
               <a:t> </a:t>
             </a:r>
             <a:r>
-              <a:rPr lang="it-IT" err="1"/>
+              <a:rPr lang="it-IT" dirty="0" err="1"/>
               <a:t>is</a:t>
             </a:r>
             <a:r>
-              <a:rPr lang="it-IT"/>
+              <a:rPr lang="it-IT" dirty="0"/>
               <a:t> </a:t>
             </a:r>
             <a:r>
-              <a:rPr lang="it-IT" err="1"/>
+              <a:rPr lang="it-IT" dirty="0" err="1"/>
               <a:t>sampled</a:t>
             </a:r>
             <a:r>
-              <a:rPr lang="it-IT"/>
+              <a:rPr lang="it-IT" dirty="0"/>
               <a:t> from</a:t>
             </a:r>
           </a:p>
           <a:p>
-            <a:endParaRPr lang="it-IT"/>
+            <a:r>
+              <a:rPr lang="it-IT" dirty="0"/>
+              <a:t>(</a:t>
+            </a:r>
+            <a:r>
+              <a:rPr lang="it-IT" dirty="0" err="1"/>
+              <a:t>mean</a:t>
+            </a:r>
+            <a:r>
+              <a:rPr lang="it-IT" dirty="0"/>
+              <a:t> and </a:t>
+            </a:r>
+            <a:r>
+              <a:rPr lang="it-IT" dirty="0" err="1"/>
+              <a:t>covariance</a:t>
+            </a:r>
+            <a:r>
+              <a:rPr lang="it-IT" dirty="0"/>
+              <a:t> </a:t>
+            </a:r>
+            <a:r>
+              <a:rPr lang="it-IT" dirty="0" err="1"/>
+              <a:t>fixed</a:t>
+            </a:r>
+            <a:r>
+              <a:rPr lang="it-IT" dirty="0"/>
+              <a:t> for </a:t>
+            </a:r>
+            <a:r>
+              <a:rPr lang="it-IT" dirty="0" err="1"/>
+              <a:t>all</a:t>
+            </a:r>
+            <a:r>
+              <a:rPr lang="it-IT" dirty="0"/>
+              <a:t> the rounds):</a:t>
+            </a:r>
+          </a:p>
+          <a:p>
+            <a:endParaRPr lang="it-IT" dirty="0"/>
           </a:p>
         </p:txBody>
       </p:sp>
-      <p:pic>
-        <p:nvPicPr>
-          <p:cNvPr id="5" name="Immagine 4">
-            <a:extLst>
-              <a:ext uri="{FF2B5EF4-FFF2-40B4-BE49-F238E27FC236}">
-                <a16:creationId xmlns:a16="http://schemas.microsoft.com/office/drawing/2014/main" id="{319A7930-E8E7-A169-1A64-937E9D2B0581}"/>
-              </a:ext>
-            </a:extLst>
-          </p:cNvPr>
-          <p:cNvPicPr>
-            <a:picLocks noChangeAspect="1"/>
-          </p:cNvPicPr>
-          <p:nvPr/>
-        </p:nvPicPr>
-        <p:blipFill>
-          <a:blip r:embed="rId2"/>
-          <a:stretch>
-            <a:fillRect/>
-          </a:stretch>
-        </p:blipFill>
-        <p:spPr>
-          <a:xfrm>
-            <a:off x="2392561" y="5247320"/>
-            <a:ext cx="1724266" cy="457264"/>
-          </a:xfrm>
-          <a:prstGeom prst="rect">
-            <a:avLst/>
-          </a:prstGeom>
-        </p:spPr>
-      </p:pic>
-      <p:pic>
-        <p:nvPicPr>
-          <p:cNvPr id="6" name="Immagine 5">
-            <a:extLst>
-              <a:ext uri="{FF2B5EF4-FFF2-40B4-BE49-F238E27FC236}">
-                <a16:creationId xmlns:a16="http://schemas.microsoft.com/office/drawing/2014/main" id="{2F47A46A-8A2E-41A6-09F3-A8E97C77FDAF}"/>
-              </a:ext>
-            </a:extLst>
-          </p:cNvPr>
-          <p:cNvPicPr>
-            <a:picLocks noChangeAspect="1"/>
-          </p:cNvPicPr>
-          <p:nvPr/>
-        </p:nvPicPr>
-        <p:blipFill>
-          <a:blip r:embed="rId3"/>
-          <a:stretch>
-            <a:fillRect/>
-          </a:stretch>
-        </p:blipFill>
-        <p:spPr>
-          <a:xfrm>
-            <a:off x="2335403" y="5684391"/>
-            <a:ext cx="2010056" cy="333422"/>
-          </a:xfrm>
-          <a:prstGeom prst="rect">
-            <a:avLst/>
-          </a:prstGeom>
-        </p:spPr>
-      </p:pic>
-      <p:pic>
-        <p:nvPicPr>
-          <p:cNvPr id="7" name="Immagine 6">
-            <a:extLst>
-              <a:ext uri="{FF2B5EF4-FFF2-40B4-BE49-F238E27FC236}">
-                <a16:creationId xmlns:a16="http://schemas.microsoft.com/office/drawing/2014/main" id="{F5ADA63A-227F-73A4-2AEF-5D7F4C7C5B72}"/>
-              </a:ext>
-            </a:extLst>
-          </p:cNvPr>
-          <p:cNvPicPr>
-            <a:picLocks noChangeAspect="1"/>
-          </p:cNvPicPr>
-          <p:nvPr/>
-        </p:nvPicPr>
-        <p:blipFill>
-          <a:blip r:embed="rId4"/>
-          <a:stretch>
-            <a:fillRect/>
-          </a:stretch>
-        </p:blipFill>
-        <p:spPr>
-          <a:xfrm>
-            <a:off x="2306824" y="6102410"/>
-            <a:ext cx="1895740" cy="352474"/>
-          </a:xfrm>
-          <a:prstGeom prst="rect">
-            <a:avLst/>
-          </a:prstGeom>
-        </p:spPr>
-      </p:pic>
       <p:sp>
         <p:nvSpPr>
           <p:cNvPr id="18" name="Rettangolo con angoli arrotondati 17">
@@ -12699,56 +12726,56 @@
           <a:p>
             <a:pPr algn="ctr"/>
             <a:r>
-              <a:rPr lang="it-IT" sz="2000" b="1"/>
+              <a:rPr lang="it-IT" sz="2000" b="1" dirty="0"/>
               <a:t>HIGHLY NON-STATIONARY ENVIRONMENT</a:t>
             </a:r>
           </a:p>
           <a:p>
             <a:r>
-              <a:rPr lang="it-IT"/>
+              <a:rPr lang="it-IT" dirty="0"/>
               <a:t>A </a:t>
             </a:r>
             <a:r>
-              <a:rPr lang="it-IT" err="1"/>
+              <a:rPr lang="it-IT" dirty="0" err="1"/>
               <a:t>sequence</a:t>
             </a:r>
             <a:r>
-              <a:rPr lang="it-IT"/>
+              <a:rPr lang="it-IT" dirty="0"/>
               <a:t> of </a:t>
             </a:r>
             <a:r>
-              <a:rPr lang="it-IT" err="1"/>
+              <a:rPr lang="it-IT" dirty="0" err="1"/>
               <a:t>correlated</a:t>
             </a:r>
             <a:r>
-              <a:rPr lang="it-IT"/>
+              <a:rPr lang="it-IT" dirty="0"/>
               <a:t> </a:t>
             </a:r>
             <a:r>
-              <a:rPr lang="en-US"/>
+              <a:rPr lang="en-US" dirty="0"/>
               <a:t>valuations </a:t>
             </a:r>
           </a:p>
           <a:p>
             <a:r>
-              <a:rPr lang="en-US"/>
+              <a:rPr lang="en-US" dirty="0"/>
               <a:t>for each type of product that changes quickly over time</a:t>
             </a:r>
           </a:p>
           <a:p>
-            <a:endParaRPr lang="en-US"/>
-          </a:p>
-          <a:p>
-            <a:r>
-              <a:rPr lang="en-US"/>
-              <a:t>At each round the valuation is sampled from </a:t>
-            </a:r>
-          </a:p>
-          <a:p>
-            <a:endParaRPr lang="it-IT"/>
-          </a:p>
-          <a:p>
-            <a:endParaRPr lang="it-IT"/>
+            <a:endParaRPr lang="en-US" dirty="0"/>
+          </a:p>
+          <a:p>
+            <a:r>
+              <a:rPr lang="en-US" dirty="0"/>
+              <a:t>At each round the valuation is sampled from (mean and covariance change at each round) </a:t>
+            </a:r>
+          </a:p>
+          <a:p>
+            <a:endParaRPr lang="it-IT" dirty="0"/>
+          </a:p>
+          <a:p>
+            <a:endParaRPr lang="it-IT" dirty="0"/>
           </a:p>
         </p:txBody>
       </p:sp>
@@ -12767,7 +12794,7 @@
           <p:nvPr/>
         </p:nvPicPr>
         <p:blipFill>
-          <a:blip r:embed="rId5"/>
+          <a:blip r:embed="rId2"/>
           <a:stretch>
             <a:fillRect/>
           </a:stretch>
@@ -12796,8 +12823,8 @@
         </p:nvSpPr>
         <p:spPr>
           <a:xfrm>
-            <a:off x="1177727" y="2182624"/>
-            <a:ext cx="4545506" cy="1836563"/>
+            <a:off x="1177726" y="2182624"/>
+            <a:ext cx="4737079" cy="1836563"/>
           </a:xfrm>
           <a:prstGeom prst="roundRect">
             <a:avLst>
@@ -12889,6 +12916,36 @@
           </a:p>
         </p:txBody>
       </p:sp>
+      <p:pic>
+        <p:nvPicPr>
+          <p:cNvPr id="2" name="Immagine 8">
+            <a:extLst>
+              <a:ext uri="{FF2B5EF4-FFF2-40B4-BE49-F238E27FC236}">
+                <a16:creationId xmlns:a16="http://schemas.microsoft.com/office/drawing/2014/main" id="{CB1CFED5-EED6-1C14-6DBD-AB35868234BE}"/>
+              </a:ext>
+            </a:extLst>
+          </p:cNvPr>
+          <p:cNvPicPr>
+            <a:picLocks noChangeAspect="1"/>
+          </p:cNvPicPr>
+          <p:nvPr/>
+        </p:nvPicPr>
+        <p:blipFill>
+          <a:blip r:embed="rId2"/>
+          <a:stretch>
+            <a:fillRect/>
+          </a:stretch>
+        </p:blipFill>
+        <p:spPr>
+          <a:xfrm>
+            <a:off x="2526866" y="5265682"/>
+            <a:ext cx="1847228" cy="1278081"/>
+          </a:xfrm>
+          <a:prstGeom prst="rect">
+            <a:avLst/>
+          </a:prstGeom>
+        </p:spPr>
+      </p:pic>
     </p:spTree>
     <p:extLst>
       <p:ext uri="{BB962C8B-B14F-4D97-AF65-F5344CB8AC3E}">
@@ -15633,8 +15690,8 @@
           </a:p>
         </p:txBody>
       </p:sp>
-      <mc:AlternateContent xmlns:mc="http://schemas.openxmlformats.org/markup-compatibility/2006">
-        <mc:Choice xmlns:a14="http://schemas.microsoft.com/office/drawing/2010/main" Requires="a14">
+      <mc:AlternateContent xmlns:mc="http://schemas.openxmlformats.org/markup-compatibility/2006" xmlns:a14="http://schemas.microsoft.com/office/drawing/2010/main">
+        <mc:Choice Requires="a14">
           <p:sp>
             <p:nvSpPr>
               <p:cNvPr id="8" name="Rettangolo con angoli arrotondati 7">
@@ -15771,7 +15828,7 @@
             </p:txBody>
           </p:sp>
         </mc:Choice>
-        <mc:Fallback>
+        <mc:Fallback xmlns="">
           <p:sp>
             <p:nvSpPr>
               <p:cNvPr id="8" name="Rettangolo con angoli arrotondati 7">
@@ -21414,6 +21471,14 @@
 </file>
 
 <file path=customXml/item1.xml><?xml version="1.0" encoding="utf-8"?>
+<p:properties xmlns:p="http://schemas.microsoft.com/office/2006/metadata/properties" xmlns:xsi="http://www.w3.org/2001/XMLSchema-instance" xmlns:pc="http://schemas.microsoft.com/office/infopath/2007/PartnerControls">
+  <documentManagement>
+    <_activity xmlns="4ff045e9-f3bb-48bc-a8af-e1df7cd36cc0" xsi:nil="true"/>
+  </documentManagement>
+</p:properties>
+</file>
+
+<file path=customXml/item2.xml><?xml version="1.0" encoding="utf-8"?>
 <ct:contentTypeSchema xmlns:ct="http://schemas.microsoft.com/office/2006/metadata/contentType" xmlns:ma="http://schemas.microsoft.com/office/2006/metadata/properties/metaAttributes" ct:_="" ma:_="" ma:contentTypeName="Documento" ma:contentTypeID="0x0101006831A1D97F55A34BB046A59F446C0554" ma:contentTypeVersion="8" ma:contentTypeDescription="Creare un nuovo documento." ma:contentTypeScope="" ma:versionID="92597f7f237af143299366ef27295875">
   <xsd:schema xmlns:xsd="http://www.w3.org/2001/XMLSchema" xmlns:xs="http://www.w3.org/2001/XMLSchema" xmlns:p="http://schemas.microsoft.com/office/2006/metadata/properties" xmlns:ns3="4ff045e9-f3bb-48bc-a8af-e1df7cd36cc0" targetNamespace="http://schemas.microsoft.com/office/2006/metadata/properties" ma:root="true" ma:fieldsID="b4bc99c6430c09c683c5edb5c63236e7" ns3:_="">
     <xsd:import namespace="4ff045e9-f3bb-48bc-a8af-e1df7cd36cc0"/>
@@ -21583,14 +21648,6 @@
 </ct:contentTypeSchema>
 </file>
 
-<file path=customXml/item2.xml><?xml version="1.0" encoding="utf-8"?>
-<p:properties xmlns:p="http://schemas.microsoft.com/office/2006/metadata/properties" xmlns:xsi="http://www.w3.org/2001/XMLSchema-instance" xmlns:pc="http://schemas.microsoft.com/office/infopath/2007/PartnerControls">
-  <documentManagement>
-    <_activity xmlns="4ff045e9-f3bb-48bc-a8af-e1df7cd36cc0" xsi:nil="true"/>
-  </documentManagement>
-</p:properties>
-</file>
-
 <file path=customXml/item3.xml><?xml version="1.0" encoding="utf-8"?>
 <?mso-contentType ?>
 <FormTemplates xmlns="http://schemas.microsoft.com/sharepoint/v3/contenttype/forms">
@@ -21601,6 +21658,22 @@
 </file>
 
 <file path=customXml/itemProps1.xml><?xml version="1.0" encoding="utf-8"?>
+<ds:datastoreItem xmlns:ds="http://schemas.openxmlformats.org/officeDocument/2006/customXml" ds:itemID="{F6365165-C1DE-403D-9F0E-490B818F69BA}">
+  <ds:schemaRefs>
+    <ds:schemaRef ds:uri="http://purl.org/dc/dcmitype/"/>
+    <ds:schemaRef ds:uri="http://schemas.openxmlformats.org/package/2006/metadata/core-properties"/>
+    <ds:schemaRef ds:uri="http://purl.org/dc/terms/"/>
+    <ds:schemaRef ds:uri="http://www.w3.org/XML/1998/namespace"/>
+    <ds:schemaRef ds:uri="http://purl.org/dc/elements/1.1/"/>
+    <ds:schemaRef ds:uri="http://schemas.microsoft.com/office/2006/metadata/properties"/>
+    <ds:schemaRef ds:uri="http://schemas.microsoft.com/office/2006/documentManagement/types"/>
+    <ds:schemaRef ds:uri="http://schemas.microsoft.com/office/infopath/2007/PartnerControls"/>
+    <ds:schemaRef ds:uri="4ff045e9-f3bb-48bc-a8af-e1df7cd36cc0"/>
+  </ds:schemaRefs>
+</ds:datastoreItem>
+</file>
+
+<file path=customXml/itemProps2.xml><?xml version="1.0" encoding="utf-8"?>
 <ds:datastoreItem xmlns:ds="http://schemas.openxmlformats.org/officeDocument/2006/customXml" ds:itemID="{16DF8B8B-CFBB-4835-8E52-4B6AC86A7311}">
   <ds:schemaRefs>
     <ds:schemaRef ds:uri="4ff045e9-f3bb-48bc-a8af-e1df7cd36cc0"/>
@@ -21618,22 +21691,6 @@
 </ds:datastoreItem>
 </file>
 
-<file path=customXml/itemProps2.xml><?xml version="1.0" encoding="utf-8"?>
-<ds:datastoreItem xmlns:ds="http://schemas.openxmlformats.org/officeDocument/2006/customXml" ds:itemID="{F6365165-C1DE-403D-9F0E-490B818F69BA}">
-  <ds:schemaRefs>
-    <ds:schemaRef ds:uri="http://schemas.openxmlformats.org/package/2006/metadata/core-properties"/>
-    <ds:schemaRef ds:uri="http://purl.org/dc/terms/"/>
-    <ds:schemaRef ds:uri="http://schemas.microsoft.com/office/2006/documentManagement/types"/>
-    <ds:schemaRef ds:uri="4ff045e9-f3bb-48bc-a8af-e1df7cd36cc0"/>
-    <ds:schemaRef ds:uri="http://www.w3.org/XML/1998/namespace"/>
-    <ds:schemaRef ds:uri="http://schemas.microsoft.com/office/infopath/2007/PartnerControls"/>
-    <ds:schemaRef ds:uri="http://schemas.microsoft.com/office/2006/metadata/properties"/>
-    <ds:schemaRef ds:uri="http://purl.org/dc/dcmitype/"/>
-    <ds:schemaRef ds:uri="http://purl.org/dc/elements/1.1/"/>
-  </ds:schemaRefs>
-</ds:datastoreItem>
-</file>
-
 <file path=customXml/itemProps3.xml><?xml version="1.0" encoding="utf-8"?>
 <ds:datastoreItem xmlns:ds="http://schemas.openxmlformats.org/officeDocument/2006/customXml" ds:itemID="{FF7BD2C7-18C7-4C67-94C0-6916FAEFE61C}">
   <ds:schemaRefs>
